--- a/public/images/Presentation1.pptx
+++ b/public/images/Presentation1.pptx
@@ -6,6 +6,8 @@
   </p:sldMasterIdLst>
   <p:sldIdLst>
     <p:sldId id="256" r:id="rId2"/>
+    <p:sldId id="257" r:id="rId3"/>
+    <p:sldId id="258" r:id="rId4"/>
   </p:sldIdLst>
   <p:sldSz cx="12192000" cy="6858000"/>
   <p:notesSz cx="6858000" cy="9144000"/>
@@ -3349,10 +3351,10 @@
       </p:grpSpPr>
       <p:sp>
         <p:nvSpPr>
-          <p:cNvPr id="10" name="Rounded Rectangle 9">
-            <a:extLst>
-              <a:ext uri="{FF2B5EF4-FFF2-40B4-BE49-F238E27FC236}">
-                <a16:creationId xmlns:a16="http://schemas.microsoft.com/office/drawing/2014/main" id="{1DA51248-C806-04E8-9DC2-E638E47518F3}"/>
+          <p:cNvPr id="12" name="Rectangle 11">
+            <a:extLst>
+              <a:ext uri="{FF2B5EF4-FFF2-40B4-BE49-F238E27FC236}">
+                <a16:creationId xmlns:a16="http://schemas.microsoft.com/office/drawing/2014/main" id="{9426DF1B-D612-29E1-F0CF-78889AE1DF8A}"/>
               </a:ext>
             </a:extLst>
           </p:cNvPr>
@@ -3361,19 +3363,64 @@
         </p:nvSpPr>
         <p:spPr>
           <a:xfrm>
-            <a:off x="1246477" y="2919540"/>
-            <a:ext cx="3256250" cy="1264533"/>
+            <a:off x="757825" y="866084"/>
+            <a:ext cx="8780745" cy="1703540"/>
           </a:xfrm>
-          <a:prstGeom prst="roundRect">
+          <a:prstGeom prst="rect">
             <a:avLst/>
           </a:prstGeom>
-          <a:noFill/>
-          <a:ln w="19050">
-            <a:solidFill>
-              <a:srgbClr val="FF8CA2"/>
-            </a:solidFill>
-            <a:prstDash val="lgDash"/>
-          </a:ln>
+          <a:solidFill>
+            <a:srgbClr val="BFDBFE"/>
+          </a:solidFill>
+        </p:spPr>
+        <p:style>
+          <a:lnRef idx="2">
+            <a:schemeClr val="accent1">
+              <a:shade val="50000"/>
+            </a:schemeClr>
+          </a:lnRef>
+          <a:fillRef idx="1">
+            <a:schemeClr val="accent1"/>
+          </a:fillRef>
+          <a:effectRef idx="0">
+            <a:schemeClr val="accent1"/>
+          </a:effectRef>
+          <a:fontRef idx="minor">
+            <a:schemeClr val="lt1"/>
+          </a:fontRef>
+        </p:style>
+        <p:txBody>
+          <a:bodyPr rtlCol="0" anchor="ctr"/>
+          <a:lstStyle/>
+          <a:p>
+            <a:pPr algn="ctr"/>
+            <a:endParaRPr lang="en-LU"/>
+          </a:p>
+        </p:txBody>
+      </p:sp>
+      <p:sp>
+        <p:nvSpPr>
+          <p:cNvPr id="2" name="Rectangle 1">
+            <a:extLst>
+              <a:ext uri="{FF2B5EF4-FFF2-40B4-BE49-F238E27FC236}">
+                <a16:creationId xmlns:a16="http://schemas.microsoft.com/office/drawing/2014/main" id="{A9AB6464-F85E-F708-72C0-0CFC1E185FE8}"/>
+              </a:ext>
+            </a:extLst>
+          </p:cNvPr>
+          <p:cNvSpPr/>
+          <p:nvPr/>
+        </p:nvSpPr>
+        <p:spPr>
+          <a:xfrm>
+            <a:off x="375781" y="2655518"/>
+            <a:ext cx="8780745" cy="1703540"/>
+          </a:xfrm>
+          <a:prstGeom prst="rect">
+            <a:avLst/>
+          </a:prstGeom>
+          <a:solidFill>
+            <a:srgbClr val="6D28D9"/>
+          </a:solidFill>
         </p:spPr>
         <p:style>
           <a:lnRef idx="2">
@@ -3520,7 +3567,7 @@
         </p:nvSpPr>
         <p:spPr>
           <a:xfrm>
-            <a:off x="3259638" y="1744185"/>
+            <a:off x="3259638" y="1758473"/>
             <a:ext cx="285228" cy="285032"/>
           </a:xfrm>
           <a:prstGeom prst="ellipse">
@@ -3625,14 +3672,14 @@
           <p:nvPr>
             <p:extLst>
               <p:ext uri="{D42A27DB-BD31-4B8C-83A1-F6EECF244321}">
-                <p14:modId xmlns:p14="http://schemas.microsoft.com/office/powerpoint/2010/main" val="1115077295"/>
+                <p14:modId xmlns:p14="http://schemas.microsoft.com/office/powerpoint/2010/main" val="4231038746"/>
               </p:ext>
             </p:extLst>
           </p:nvPr>
         </p:nvGraphicFramePr>
         <p:xfrm>
-          <a:off x="1718848" y="2967556"/>
-          <a:ext cx="5651216" cy="1112520"/>
+          <a:off x="1813080" y="3269385"/>
+          <a:ext cx="3937870" cy="475806"/>
         </p:xfrm>
         <a:graphic>
           <a:graphicData uri="http://schemas.openxmlformats.org/drawingml/2006/table">
@@ -3641,14 +3688,14 @@
                 <a:tableStyleId>{2D5ABB26-0587-4C30-8999-92F81FD0307C}</a:tableStyleId>
               </a:tblPr>
               <a:tblGrid>
-                <a:gridCol w="2853152">
+                <a:gridCol w="3729590">
                   <a:extLst>
                     <a:ext uri="{9D8B030D-6E8A-4147-A177-3AD203B41FA5}">
                       <a16:colId xmlns:a16="http://schemas.microsoft.com/office/drawing/2014/main" val="1066168503"/>
                     </a:ext>
                   </a:extLst>
                 </a:gridCol>
-                <a:gridCol w="2798064">
+                <a:gridCol w="208280">
                   <a:extLst>
                     <a:ext uri="{9D8B030D-6E8A-4147-A177-3AD203B41FA5}">
                       <a16:colId xmlns:a16="http://schemas.microsoft.com/office/drawing/2014/main" val="100393233"/>
@@ -3656,18 +3703,23 @@
                   </a:extLst>
                 </a:gridCol>
               </a:tblGrid>
-              <a:tr h="370840">
+              <a:tr h="475806">
                 <a:tc>
                   <a:txBody>
                     <a:bodyPr/>
                     <a:lstStyle/>
                     <a:p>
                       <a:r>
-                        <a:rPr lang="en-LU" b="0" dirty="0">
+                        <a:rPr lang="en-LU" sz="1800" b="0" dirty="0">
+                          <a:solidFill>
+                            <a:schemeClr val="bg1">
+                              <a:lumMod val="85000"/>
+                            </a:schemeClr>
+                          </a:solidFill>
                           <a:latin typeface="Times New Roman" panose="02020603050405020304" pitchFamily="18" charset="0"/>
                           <a:cs typeface="Times New Roman" panose="02020603050405020304" pitchFamily="18" charset="0"/>
                         </a:rPr>
-                        <a:t>  8% got 6 questions correct</a:t>
+                        <a:t>41% got atleast 6 questions correct</a:t>
                       </a:r>
                     </a:p>
                   </a:txBody>
@@ -3678,13 +3730,15 @@
                     <a:bodyPr/>
                     <a:lstStyle/>
                     <a:p>
-                      <a:r>
-                        <a:rPr lang="en-LU" b="0" dirty="0">
-                          <a:latin typeface="Times New Roman" panose="02020603050405020304" pitchFamily="18" charset="0"/>
-                          <a:cs typeface="Times New Roman" panose="02020603050405020304" pitchFamily="18" charset="0"/>
-                        </a:rPr>
-                        <a:t>19% got 3 questions correct</a:t>
-                      </a:r>
+                      <a:endParaRPr lang="en-LU" b="0" dirty="0">
+                        <a:solidFill>
+                          <a:schemeClr val="bg1">
+                            <a:lumMod val="85000"/>
+                          </a:schemeClr>
+                        </a:solidFill>
+                        <a:latin typeface="Times New Roman" panose="02020603050405020304" pitchFamily="18" charset="0"/>
+                        <a:cs typeface="Times New Roman" panose="02020603050405020304" pitchFamily="18" charset="0"/>
+                      </a:endParaRPr>
                     </a:p>
                   </a:txBody>
                   <a:tcPr/>
@@ -3695,121 +3749,315 @@
                   </a:ext>
                 </a:extLst>
               </a:tr>
-              <a:tr h="370840">
-                <a:tc>
-                  <a:txBody>
-                    <a:bodyPr/>
-                    <a:lstStyle/>
-                    <a:p>
-                      <a:r>
-                        <a:rPr lang="en-LU" b="0" dirty="0">
-                          <a:latin typeface="Times New Roman" panose="02020603050405020304" pitchFamily="18" charset="0"/>
-                          <a:cs typeface="Times New Roman" panose="02020603050405020304" pitchFamily="18" charset="0"/>
-                        </a:rPr>
-                        <a:t>12% got 5 questions correct</a:t>
-                      </a:r>
-                    </a:p>
-                  </a:txBody>
-                  <a:tcPr/>
-                </a:tc>
-                <a:tc>
-                  <a:txBody>
-                    <a:bodyPr/>
-                    <a:lstStyle/>
-                    <a:p>
-                      <a:r>
-                        <a:rPr lang="en-LU" b="0" dirty="0">
-                          <a:latin typeface="Times New Roman" panose="02020603050405020304" pitchFamily="18" charset="0"/>
-                          <a:cs typeface="Times New Roman" panose="02020603050405020304" pitchFamily="18" charset="0"/>
-                        </a:rPr>
-                        <a:t>13% got 2 questions correct</a:t>
-                      </a:r>
-                    </a:p>
-                  </a:txBody>
-                  <a:tcPr/>
-                </a:tc>
-                <a:extLst>
-                  <a:ext uri="{0D108BD9-81ED-4DB2-BD59-A6C34878D82A}">
-                    <a16:rowId xmlns:a16="http://schemas.microsoft.com/office/drawing/2014/main" val="3264397744"/>
-                  </a:ext>
-                </a:extLst>
-              </a:tr>
-              <a:tr h="370840">
-                <a:tc>
-                  <a:txBody>
-                    <a:bodyPr/>
-                    <a:lstStyle/>
-                    <a:p>
-                      <a:r>
-                        <a:rPr lang="en-LU" b="0" dirty="0">
-                          <a:latin typeface="Times New Roman" panose="02020603050405020304" pitchFamily="18" charset="0"/>
-                          <a:cs typeface="Times New Roman" panose="02020603050405020304" pitchFamily="18" charset="0"/>
-                        </a:rPr>
-                        <a:t>20% got 4 questions correct</a:t>
-                      </a:r>
-                    </a:p>
-                  </a:txBody>
-                  <a:tcPr/>
-                </a:tc>
-                <a:tc>
-                  <a:txBody>
-                    <a:bodyPr/>
-                    <a:lstStyle/>
-                    <a:p>
-                      <a:r>
-                        <a:rPr lang="en-LU" b="0" dirty="0">
-                          <a:latin typeface="Times New Roman" panose="02020603050405020304" pitchFamily="18" charset="0"/>
-                          <a:cs typeface="Times New Roman" panose="02020603050405020304" pitchFamily="18" charset="0"/>
-                        </a:rPr>
-                        <a:t>28% got 1 questions correct</a:t>
-                      </a:r>
-                    </a:p>
-                  </a:txBody>
-                  <a:tcPr/>
-                </a:tc>
-                <a:extLst>
-                  <a:ext uri="{0D108BD9-81ED-4DB2-BD59-A6C34878D82A}">
-                    <a16:rowId xmlns:a16="http://schemas.microsoft.com/office/drawing/2014/main" val="3800081441"/>
-                  </a:ext>
-                </a:extLst>
-              </a:tr>
             </a:tbl>
           </a:graphicData>
         </a:graphic>
       </p:graphicFrame>
       <p:pic>
         <p:nvPicPr>
-          <p:cNvPr id="9" name="Picture 8" descr="A picture containing text, clipart&#10;&#10;Description automatically generated">
-            <a:extLst>
-              <a:ext uri="{FF2B5EF4-FFF2-40B4-BE49-F238E27FC236}">
-                <a16:creationId xmlns:a16="http://schemas.microsoft.com/office/drawing/2014/main" id="{40BFFF9F-2415-726B-7C8E-94DCEA6A7E06}"/>
+          <p:cNvPr id="1026" name="Picture 2" descr="Bonus Icon #383305 - Free Icons Library">
+            <a:extLst>
+              <a:ext uri="{FF2B5EF4-FFF2-40B4-BE49-F238E27FC236}">
+                <a16:creationId xmlns:a16="http://schemas.microsoft.com/office/drawing/2014/main" id="{2B718B21-7B04-D28B-3644-2B8FCEC0BF07}"/>
               </a:ext>
             </a:extLst>
           </p:cNvPr>
           <p:cNvPicPr>
-            <a:picLocks noChangeAspect="1"/>
+            <a:picLocks noChangeAspect="1" noChangeArrowheads="1"/>
           </p:cNvPicPr>
           <p:nvPr/>
         </p:nvPicPr>
-        <p:blipFill rotWithShape="1">
-          <a:blip r:embed="rId2"/>
-          <a:srcRect t="21332" b="15026"/>
-          <a:stretch/>
+        <p:blipFill>
+          <a:blip r:embed="rId2">
+            <a:extLst>
+              <a:ext uri="{28A0092B-C50C-407E-A947-70E740481C1C}">
+                <a14:useLocalDpi xmlns:a14="http://schemas.microsoft.com/office/drawing/2010/main" val="0"/>
+              </a:ext>
+            </a:extLst>
+          </a:blip>
+          <a:srcRect/>
+          <a:stretch>
+            <a:fillRect/>
+          </a:stretch>
         </p:blipFill>
-        <p:spPr>
+        <p:spPr bwMode="auto">
           <a:xfrm>
-            <a:off x="774107" y="3169085"/>
-            <a:ext cx="944741" cy="601249"/>
+            <a:off x="530715" y="4872332"/>
+            <a:ext cx="1431524" cy="1431524"/>
           </a:xfrm>
           <a:prstGeom prst="rect">
             <a:avLst/>
           </a:prstGeom>
+          <a:noFill/>
+          <a:extLst>
+            <a:ext uri="{909E8E84-426E-40DD-AFC4-6F175D3DCCD1}">
+              <a14:hiddenFill xmlns:a14="http://schemas.microsoft.com/office/drawing/2010/main">
+                <a:solidFill>
+                  <a:srgbClr val="FFFFFF"/>
+                </a:solidFill>
+              </a14:hiddenFill>
+            </a:ext>
+          </a:extLst>
+        </p:spPr>
+      </p:pic>
+      <p:pic>
+        <p:nvPicPr>
+          <p:cNvPr id="1028" name="Picture 4" descr="Bonus - Free communications icons">
+            <a:extLst>
+              <a:ext uri="{FF2B5EF4-FFF2-40B4-BE49-F238E27FC236}">
+                <a16:creationId xmlns:a16="http://schemas.microsoft.com/office/drawing/2014/main" id="{70EF9DF8-C357-05D4-2234-B02FBF7A7A00}"/>
+              </a:ext>
+            </a:extLst>
+          </p:cNvPr>
+          <p:cNvPicPr>
+            <a:picLocks noChangeAspect="1" noChangeArrowheads="1"/>
+          </p:cNvPicPr>
+          <p:nvPr/>
+        </p:nvPicPr>
+        <p:blipFill>
+          <a:blip r:embed="rId3">
+            <a:extLst>
+              <a:ext uri="{28A0092B-C50C-407E-A947-70E740481C1C}">
+                <a14:useLocalDpi xmlns:a14="http://schemas.microsoft.com/office/drawing/2010/main" val="0"/>
+              </a:ext>
+            </a:extLst>
+          </a:blip>
+          <a:srcRect/>
+          <a:stretch>
+            <a:fillRect/>
+          </a:stretch>
+        </p:blipFill>
+        <p:spPr bwMode="auto">
+          <a:xfrm rot="19951183">
+            <a:off x="1073013" y="3122001"/>
+            <a:ext cx="757235" cy="757235"/>
+          </a:xfrm>
+          <a:prstGeom prst="rect">
+            <a:avLst/>
+          </a:prstGeom>
+          <a:noFill/>
+          <a:extLst>
+            <a:ext uri="{909E8E84-426E-40DD-AFC4-6F175D3DCCD1}">
+              <a14:hiddenFill xmlns:a14="http://schemas.microsoft.com/office/drawing/2010/main">
+                <a:solidFill>
+                  <a:srgbClr val="FFFFFF"/>
+                </a:solidFill>
+              </a14:hiddenFill>
+            </a:ext>
+          </a:extLst>
         </p:spPr>
       </p:pic>
     </p:spTree>
     <p:extLst>
       <p:ext uri="{BB962C8B-B14F-4D97-AF65-F5344CB8AC3E}">
         <p14:creationId xmlns:p14="http://schemas.microsoft.com/office/powerpoint/2010/main" val="3453220114"/>
+      </p:ext>
+    </p:extLst>
+  </p:cSld>
+  <p:clrMapOvr>
+    <a:masterClrMapping/>
+  </p:clrMapOvr>
+</p:sld>
+</file>
+
+<file path=ppt/slides/slide2.xml><?xml version="1.0" encoding="utf-8"?>
+<p:sld xmlns:a="http://schemas.openxmlformats.org/drawingml/2006/main" xmlns:r="http://schemas.openxmlformats.org/officeDocument/2006/relationships" xmlns:p="http://schemas.openxmlformats.org/presentationml/2006/main">
+  <p:cSld>
+    <p:spTree>
+      <p:nvGrpSpPr>
+        <p:cNvPr id="1" name=""/>
+        <p:cNvGrpSpPr/>
+        <p:nvPr/>
+      </p:nvGrpSpPr>
+      <p:grpSpPr>
+        <a:xfrm>
+          <a:off x="0" y="0"/>
+          <a:ext cx="0" cy="0"/>
+          <a:chOff x="0" y="0"/>
+          <a:chExt cx="0" cy="0"/>
+        </a:xfrm>
+      </p:grpSpPr>
+      <p:sp>
+        <p:nvSpPr>
+          <p:cNvPr id="2" name="Title 1">
+            <a:extLst>
+              <a:ext uri="{FF2B5EF4-FFF2-40B4-BE49-F238E27FC236}">
+                <a16:creationId xmlns:a16="http://schemas.microsoft.com/office/drawing/2014/main" id="{7B504B93-89ED-446E-0B9A-0C3F4C70EA8C}"/>
+              </a:ext>
+            </a:extLst>
+          </p:cNvPr>
+          <p:cNvSpPr>
+            <a:spLocks noGrp="1"/>
+          </p:cNvSpPr>
+          <p:nvPr>
+            <p:ph type="title"/>
+          </p:nvPr>
+        </p:nvSpPr>
+        <p:spPr>
+          <a:xfrm>
+            <a:off x="709613" y="1236663"/>
+            <a:ext cx="10515600" cy="3735387"/>
+          </a:xfrm>
+        </p:spPr>
+        <p:txBody>
+          <a:bodyPr>
+            <a:normAutofit/>
+          </a:bodyPr>
+          <a:lstStyle/>
+          <a:p>
+            <a:r>
+              <a:rPr lang="en-GB" sz="3200" dirty="0"/>
+              <a:t>Total question – 8 </a:t>
+            </a:r>
+            <a:br>
+              <a:rPr lang="en-GB" sz="3200" dirty="0"/>
+            </a:br>
+            <a:r>
+              <a:rPr lang="en-GB" sz="3200" dirty="0"/>
+              <a:t>C</a:t>
+            </a:r>
+            <a:r>
+              <a:rPr lang="en-LU" sz="3200" dirty="0"/>
+              <a:t>ontrol – 2</a:t>
+            </a:r>
+            <a:br>
+              <a:rPr lang="en-LU" sz="3200" dirty="0"/>
+            </a:br>
+            <a:r>
+              <a:rPr lang="en-LU" sz="3200" dirty="0"/>
+              <a:t>Treatment – 6</a:t>
+            </a:r>
+            <a:br>
+              <a:rPr lang="en-LU" sz="3200" dirty="0"/>
+            </a:br>
+            <a:br>
+              <a:rPr lang="en-LU" sz="3200" dirty="0"/>
+            </a:br>
+            <a:r>
+              <a:rPr lang="en-LU" sz="3200" dirty="0"/>
+              <a:t>7 design elements - </a:t>
+            </a:r>
+            <a:br>
+              <a:rPr lang="en-LU" sz="3200" dirty="0"/>
+            </a:br>
+            <a:endParaRPr lang="en-LU" sz="3200" dirty="0"/>
+          </a:p>
+        </p:txBody>
+      </p:sp>
+    </p:spTree>
+    <p:extLst>
+      <p:ext uri="{BB962C8B-B14F-4D97-AF65-F5344CB8AC3E}">
+        <p14:creationId xmlns:p14="http://schemas.microsoft.com/office/powerpoint/2010/main" val="1506293171"/>
+      </p:ext>
+    </p:extLst>
+  </p:cSld>
+  <p:clrMapOvr>
+    <a:masterClrMapping/>
+  </p:clrMapOvr>
+</p:sld>
+</file>
+
+<file path=ppt/slides/slide3.xml><?xml version="1.0" encoding="utf-8"?>
+<p:sld xmlns:a="http://schemas.openxmlformats.org/drawingml/2006/main" xmlns:r="http://schemas.openxmlformats.org/officeDocument/2006/relationships" xmlns:p="http://schemas.openxmlformats.org/presentationml/2006/main">
+  <p:cSld>
+    <p:spTree>
+      <p:nvGrpSpPr>
+        <p:cNvPr id="1" name=""/>
+        <p:cNvGrpSpPr/>
+        <p:nvPr/>
+      </p:nvGrpSpPr>
+      <p:grpSpPr>
+        <a:xfrm>
+          <a:off x="0" y="0"/>
+          <a:ext cx="0" cy="0"/>
+          <a:chOff x="0" y="0"/>
+          <a:chExt cx="0" cy="0"/>
+        </a:xfrm>
+      </p:grpSpPr>
+      <p:sp>
+        <p:nvSpPr>
+          <p:cNvPr id="2" name="Title 1">
+            <a:extLst>
+              <a:ext uri="{FF2B5EF4-FFF2-40B4-BE49-F238E27FC236}">
+                <a16:creationId xmlns:a16="http://schemas.microsoft.com/office/drawing/2014/main" id="{02B32DCC-57F5-DBF4-7329-72B971F5A9F8}"/>
+              </a:ext>
+            </a:extLst>
+          </p:cNvPr>
+          <p:cNvSpPr>
+            <a:spLocks noGrp="1"/>
+          </p:cNvSpPr>
+          <p:nvPr>
+            <p:ph type="title"/>
+          </p:nvPr>
+        </p:nvSpPr>
+        <p:spPr/>
+        <p:txBody>
+          <a:bodyPr/>
+          <a:lstStyle/>
+          <a:p>
+            <a:endParaRPr lang="en-LU"/>
+          </a:p>
+        </p:txBody>
+      </p:sp>
+      <p:sp>
+        <p:nvSpPr>
+          <p:cNvPr id="3" name="Content Placeholder 2">
+            <a:extLst>
+              <a:ext uri="{FF2B5EF4-FFF2-40B4-BE49-F238E27FC236}">
+                <a16:creationId xmlns:a16="http://schemas.microsoft.com/office/drawing/2014/main" id="{A642B2AF-923A-C901-3B9D-F9FD89EDB08C}"/>
+              </a:ext>
+            </a:extLst>
+          </p:cNvPr>
+          <p:cNvSpPr>
+            <a:spLocks noGrp="1"/>
+          </p:cNvSpPr>
+          <p:nvPr>
+            <p:ph idx="1"/>
+          </p:nvPr>
+        </p:nvSpPr>
+        <p:spPr/>
+        <p:txBody>
+          <a:bodyPr/>
+          <a:lstStyle/>
+          <a:p>
+            <a:pPr marL="0" indent="0">
+              <a:buNone/>
+            </a:pPr>
+            <a:endParaRPr lang="en-LU" dirty="0"/>
+          </a:p>
+          <a:p>
+            <a:pPr marL="0" indent="0">
+              <a:buNone/>
+            </a:pPr>
+            <a:r>
+              <a:rPr lang="en-LU" dirty="0"/>
+              <a:t>		Titan		21		stop</a:t>
+            </a:r>
+          </a:p>
+          <a:p>
+            <a:pPr marL="0" indent="0">
+              <a:buNone/>
+            </a:pPr>
+            <a:r>
+              <a:rPr lang="en-LU" dirty="0"/>
+              <a:t>		5</a:t>
+            </a:r>
+          </a:p>
+          <a:p>
+            <a:pPr marL="0" indent="0">
+              <a:buNone/>
+            </a:pPr>
+            <a:r>
+              <a:rPr lang="en-LU" dirty="0"/>
+              <a:t>		8	Vormir	13	Asgard </a:t>
+            </a:r>
+          </a:p>
+        </p:txBody>
+      </p:sp>
+    </p:spTree>
+    <p:extLst>
+      <p:ext uri="{BB962C8B-B14F-4D97-AF65-F5344CB8AC3E}">
+        <p14:creationId xmlns:p14="http://schemas.microsoft.com/office/powerpoint/2010/main" val="1814769558"/>
       </p:ext>
     </p:extLst>
   </p:cSld>
